--- a/Samsung/Lesson12/PrincipOOP.pptx
+++ b/Samsung/Lesson12/PrincipOOP.pptx
@@ -353,7 +353,7 @@
             <a:fld id="{5586B75A-687E-405C-8A0B-8D00578BA2C3}" type="datetimeFigureOut">
               <a:rPr lang="en-US" dirty="0"/>
               <a:pPr/>
-              <a:t>11/4/2020</a:t>
+              <a:t>11/5/2020</a:t>
             </a:fld>
             <a:endParaRPr lang="en-US" dirty="0"/>
           </a:p>
@@ -520,7 +520,7 @@
             <a:fld id="{5586B75A-687E-405C-8A0B-8D00578BA2C3}" type="datetimeFigureOut">
               <a:rPr lang="en-US" dirty="0"/>
               <a:pPr/>
-              <a:t>11/4/2020</a:t>
+              <a:t>11/5/2020</a:t>
             </a:fld>
             <a:endParaRPr lang="en-US" dirty="0"/>
           </a:p>
@@ -697,7 +697,7 @@
             <a:fld id="{5586B75A-687E-405C-8A0B-8D00578BA2C3}" type="datetimeFigureOut">
               <a:rPr lang="en-US" dirty="0"/>
               <a:pPr/>
-              <a:t>11/4/2020</a:t>
+              <a:t>11/5/2020</a:t>
             </a:fld>
             <a:endParaRPr lang="en-US" dirty="0"/>
           </a:p>
@@ -864,7 +864,7 @@
             <a:fld id="{5586B75A-687E-405C-8A0B-8D00578BA2C3}" type="datetimeFigureOut">
               <a:rPr lang="en-US" dirty="0"/>
               <a:pPr/>
-              <a:t>11/4/2020</a:t>
+              <a:t>11/5/2020</a:t>
             </a:fld>
             <a:endParaRPr lang="en-US" dirty="0"/>
           </a:p>
@@ -1119,7 +1119,7 @@
             <a:fld id="{5586B75A-687E-405C-8A0B-8D00578BA2C3}" type="datetimeFigureOut">
               <a:rPr lang="en-US" dirty="0"/>
               <a:pPr/>
-              <a:t>11/4/2020</a:t>
+              <a:t>11/5/2020</a:t>
             </a:fld>
             <a:endParaRPr lang="en-US" dirty="0"/>
           </a:p>
@@ -1404,7 +1404,7 @@
             <a:fld id="{5586B75A-687E-405C-8A0B-8D00578BA2C3}" type="datetimeFigureOut">
               <a:rPr lang="en-US" dirty="0"/>
               <a:pPr/>
-              <a:t>11/4/2020</a:t>
+              <a:t>11/5/2020</a:t>
             </a:fld>
             <a:endParaRPr lang="en-US" dirty="0"/>
           </a:p>
@@ -1843,7 +1843,7 @@
             <a:fld id="{5586B75A-687E-405C-8A0B-8D00578BA2C3}" type="datetimeFigureOut">
               <a:rPr lang="en-US" dirty="0"/>
               <a:pPr/>
-              <a:t>11/4/2020</a:t>
+              <a:t>11/5/2020</a:t>
             </a:fld>
             <a:endParaRPr lang="en-US" dirty="0"/>
           </a:p>
@@ -1958,7 +1958,7 @@
             <a:fld id="{5586B75A-687E-405C-8A0B-8D00578BA2C3}" type="datetimeFigureOut">
               <a:rPr lang="en-US" dirty="0"/>
               <a:pPr/>
-              <a:t>11/4/2020</a:t>
+              <a:t>11/5/2020</a:t>
             </a:fld>
             <a:endParaRPr lang="en-US" dirty="0"/>
           </a:p>
@@ -2050,7 +2050,7 @@
             <a:fld id="{5586B75A-687E-405C-8A0B-8D00578BA2C3}" type="datetimeFigureOut">
               <a:rPr lang="en-US" dirty="0"/>
               <a:pPr/>
-              <a:t>11/4/2020</a:t>
+              <a:t>11/5/2020</a:t>
             </a:fld>
             <a:endParaRPr lang="en-US" dirty="0"/>
           </a:p>
@@ -2335,7 +2335,7 @@
             <a:fld id="{5586B75A-687E-405C-8A0B-8D00578BA2C3}" type="datetimeFigureOut">
               <a:rPr lang="en-US" dirty="0"/>
               <a:pPr/>
-              <a:t>11/4/2020</a:t>
+              <a:t>11/5/2020</a:t>
             </a:fld>
             <a:endParaRPr lang="en-US" dirty="0"/>
           </a:p>
@@ -2605,7 +2605,7 @@
             <a:fld id="{5586B75A-687E-405C-8A0B-8D00578BA2C3}" type="datetimeFigureOut">
               <a:rPr lang="en-US" dirty="0"/>
               <a:pPr/>
-              <a:t>11/4/2020</a:t>
+              <a:t>11/5/2020</a:t>
             </a:fld>
             <a:endParaRPr lang="en-US" dirty="0"/>
           </a:p>
@@ -2899,7 +2899,7 @@
             <a:fld id="{5586B75A-687E-405C-8A0B-8D00578BA2C3}" type="datetimeFigureOut">
               <a:rPr lang="en-US" dirty="0"/>
               <a:pPr/>
-              <a:t>11/4/2020</a:t>
+              <a:t>11/5/2020</a:t>
             </a:fld>
             <a:endParaRPr lang="en-US" dirty="0"/>
           </a:p>
@@ -15889,7 +15889,7 @@
         </p:nvSpPr>
         <p:spPr>
           <a:xfrm>
-            <a:off x="3887437" y="366713"/>
+            <a:off x="3896581" y="366713"/>
             <a:ext cx="8109281" cy="2585323"/>
           </a:xfrm>
           <a:prstGeom prst="rect">
@@ -21981,7 +21981,7 @@
         </p:nvSpPr>
         <p:spPr>
           <a:xfrm>
-            <a:off x="274718" y="4690051"/>
+            <a:off x="283862" y="4690051"/>
             <a:ext cx="10210862" cy="1293305"/>
           </a:xfrm>
           <a:prstGeom prst="rect">
